--- a/Documents/Presentation.pptx
+++ b/Documents/Presentation.pptx
@@ -120,6 +120,7 @@
 <p1510:revInfo xmlns:a="http://schemas.openxmlformats.org/drawingml/2006/main" xmlns:r="http://schemas.openxmlformats.org/officeDocument/2006/relationships" xmlns:p1510="http://schemas.microsoft.com/office/powerpoint/2015/10/main">
   <p1510:revLst>
     <p1510:client id="{07E5FAE0-489D-4102-9C4C-9B1673D53706}" v="714" dt="2022-09-14T09:52:39.434"/>
+    <p1510:client id="{3AC85A3D-C28D-ACF3-5137-C9BD1DE2FAFE}" v="1" dt="2022-09-14T14:34:54.193"/>
   </p1510:revLst>
 </p1510:revInfo>
 </file>
@@ -1043,6 +1044,30 @@
           </pc:sldLayoutMkLst>
         </pc:sldLayoutChg>
       </pc:sldMasterChg>
+    </pc:docChg>
+  </pc:docChgLst>
+  <pc:docChgLst>
+    <pc:chgData name="Ugo Marchesini - ugo.marchesini@studio.unibo.it" userId="S::ugo.marchesini@studio.unibo.it::367b43d9-7c8f-4b13-b877-801cec916d4b" providerId="AD" clId="Web-{3AC85A3D-C28D-ACF3-5137-C9BD1DE2FAFE}"/>
+    <pc:docChg chg="modSld">
+      <pc:chgData name="Ugo Marchesini - ugo.marchesini@studio.unibo.it" userId="S::ugo.marchesini@studio.unibo.it::367b43d9-7c8f-4b13-b877-801cec916d4b" providerId="AD" clId="Web-{3AC85A3D-C28D-ACF3-5137-C9BD1DE2FAFE}" dt="2022-09-14T14:34:54.193" v="0"/>
+      <pc:docMkLst>
+        <pc:docMk/>
+      </pc:docMkLst>
+      <pc:sldChg chg="delSp">
+        <pc:chgData name="Ugo Marchesini - ugo.marchesini@studio.unibo.it" userId="S::ugo.marchesini@studio.unibo.it::367b43d9-7c8f-4b13-b877-801cec916d4b" providerId="AD" clId="Web-{3AC85A3D-C28D-ACF3-5137-C9BD1DE2FAFE}" dt="2022-09-14T14:34:54.193" v="0"/>
+        <pc:sldMkLst>
+          <pc:docMk/>
+          <pc:sldMk cId="2394106711" sldId="259"/>
+        </pc:sldMkLst>
+        <pc:spChg chg="del">
+          <ac:chgData name="Ugo Marchesini - ugo.marchesini@studio.unibo.it" userId="S::ugo.marchesini@studio.unibo.it::367b43d9-7c8f-4b13-b877-801cec916d4b" providerId="AD" clId="Web-{3AC85A3D-C28D-ACF3-5137-C9BD1DE2FAFE}" dt="2022-09-14T14:34:54.193" v="0"/>
+          <ac:spMkLst>
+            <pc:docMk/>
+            <pc:sldMk cId="2394106711" sldId="259"/>
+            <ac:spMk id="9" creationId="{0266E87E-9344-B38B-BC5C-F88CA4F92A67}"/>
+          </ac:spMkLst>
+        </pc:spChg>
+      </pc:sldChg>
     </pc:docChg>
   </pc:docChgLst>
 </pc:chgInfo>
@@ -15808,31 +15833,6 @@
           </a:p>
         </p:txBody>
       </p:sp>
-      <p:sp>
-        <p:nvSpPr>
-          <p:cNvPr id="9" name="Content Placeholder 8">
-            <a:extLst>
-              <a:ext uri="{FF2B5EF4-FFF2-40B4-BE49-F238E27FC236}">
-                <a16:creationId xmlns:a16="http://schemas.microsoft.com/office/drawing/2014/main" id="{0266E87E-9344-B38B-BC5C-F88CA4F92A67}"/>
-              </a:ext>
-            </a:extLst>
-          </p:cNvPr>
-          <p:cNvSpPr>
-            <a:spLocks noGrp="1"/>
-          </p:cNvSpPr>
-          <p:nvPr>
-            <p:ph idx="1"/>
-          </p:nvPr>
-        </p:nvSpPr>
-        <p:spPr/>
-        <p:txBody>
-          <a:bodyPr/>
-          <a:lstStyle/>
-          <a:p>
-            <a:endParaRPr lang="en-US"/>
-          </a:p>
-        </p:txBody>
-      </p:sp>
     </p:spTree>
     <p:extLst>
       <p:ext uri="{BB962C8B-B14F-4D97-AF65-F5344CB8AC3E}">
